--- a/LDS_Block_1_Lead.pptx
+++ b/LDS_Block_1_Lead.pptx
@@ -11465,7 +11465,7 @@
             <a:tbl>
               <a:tblPr>
                 <a:noFill/>
-                <a:tableStyleId>{F9C9E7FF-ABD4-48E6-B6AE-47CB4FE38828}</a:tableStyleId>
+                <a:tableStyleId>{20456F1C-D7DC-43FC-AAA8-48E0F1207B7D}</a:tableStyleId>
               </a:tblPr>
               <a:tblGrid>
                 <a:gridCol w="2413000"/>
@@ -14037,7 +14037,7 @@
             <a:tbl>
               <a:tblPr>
                 <a:noFill/>
-                <a:tableStyleId>{F9C9E7FF-ABD4-48E6-B6AE-47CB4FE38828}</a:tableStyleId>
+                <a:tableStyleId>{20456F1C-D7DC-43FC-AAA8-48E0F1207B7D}</a:tableStyleId>
               </a:tblPr>
               <a:tblGrid>
                 <a:gridCol w="1809750"/>
@@ -15399,7 +15399,7 @@
                       </a:pPr>
                       <a:r>
                         <a:rPr lang="fr" sz="1100"/>
-                        <a:t>Revue mi-projet</a:t>
+                        <a:t>Revue de projet</a:t>
                       </a:r>
                       <a:endParaRPr sz="1100"/>
                     </a:p>
@@ -15459,7 +15459,7 @@
                       </a:pPr>
                       <a:r>
                         <a:rPr lang="fr" sz="1100"/>
-                        <a:t>Revue de mi-parcours du projet</a:t>
+                        <a:t>Revue avant la fin du projet</a:t>
                       </a:r>
                       <a:endParaRPr sz="1100"/>
                     </a:p>
@@ -16644,7 +16644,7 @@
             <a:tbl>
               <a:tblPr>
                 <a:noFill/>
-                <a:tableStyleId>{F9C9E7FF-ABD4-48E6-B6AE-47CB4FE38828}</a:tableStyleId>
+                <a:tableStyleId>{20456F1C-D7DC-43FC-AAA8-48E0F1207B7D}</a:tableStyleId>
               </a:tblPr>
               <a:tblGrid>
                 <a:gridCol w="2413000"/>
@@ -19174,7 +19174,7 @@
             <a:tbl>
               <a:tblPr>
                 <a:noFill/>
-                <a:tableStyleId>{F9C9E7FF-ABD4-48E6-B6AE-47CB4FE38828}</a:tableStyleId>
+                <a:tableStyleId>{20456F1C-D7DC-43FC-AAA8-48E0F1207B7D}</a:tableStyleId>
               </a:tblPr>
               <a:tblGrid>
                 <a:gridCol w="3619500"/>
